--- a/Wombat Runner.pptx
+++ b/Wombat Runner.pptx
@@ -109,6 +109,11 @@
       </a:defRPr>
     </a:lvl9pPr>
   </p:defaultTextStyle>
+  <p:extLst>
+    <p:ext uri="{EFAFB233-063F-42B5-8137-9DF3F51BA10A}">
+      <p15:sldGuideLst xmlns:p15="http://schemas.microsoft.com/office/powerpoint/2012/main"/>
+    </p:ext>
+  </p:extLst>
 </p:presentation>
 </file>
 
@@ -282,7 +287,7 @@
           <a:p>
             <a:fld id="{EFAB69B5-3F57-47EB-86C7-5A85F834CA97}" type="datetimeFigureOut">
               <a:rPr lang="en-US" smtClean="0"/>
-              <a:t>11/26/2020</a:t>
+              <a:t>12/4/2020</a:t>
             </a:fld>
             <a:endParaRPr lang="en-US"/>
           </a:p>
@@ -549,7 +554,7 @@
           <a:p>
             <a:fld id="{EFAB69B5-3F57-47EB-86C7-5A85F834CA97}" type="datetimeFigureOut">
               <a:rPr lang="en-US" smtClean="0"/>
-              <a:t>11/26/2020</a:t>
+              <a:t>12/4/2020</a:t>
             </a:fld>
             <a:endParaRPr lang="en-US"/>
           </a:p>
@@ -780,7 +785,7 @@
           <a:p>
             <a:fld id="{EFAB69B5-3F57-47EB-86C7-5A85F834CA97}" type="datetimeFigureOut">
               <a:rPr lang="en-US" smtClean="0"/>
-              <a:t>11/26/2020</a:t>
+              <a:t>12/4/2020</a:t>
             </a:fld>
             <a:endParaRPr lang="en-US"/>
           </a:p>
@@ -1090,7 +1095,7 @@
           <a:p>
             <a:fld id="{EFAB69B5-3F57-47EB-86C7-5A85F834CA97}" type="datetimeFigureOut">
               <a:rPr lang="en-US" smtClean="0"/>
-              <a:t>11/26/2020</a:t>
+              <a:t>12/4/2020</a:t>
             </a:fld>
             <a:endParaRPr lang="en-US"/>
           </a:p>
@@ -1563,7 +1568,7 @@
           <a:p>
             <a:fld id="{EFAB69B5-3F57-47EB-86C7-5A85F834CA97}" type="datetimeFigureOut">
               <a:rPr lang="en-US" smtClean="0"/>
-              <a:t>11/26/2020</a:t>
+              <a:t>12/4/2020</a:t>
             </a:fld>
             <a:endParaRPr lang="en-US"/>
           </a:p>
@@ -2110,7 +2115,7 @@
           <a:p>
             <a:fld id="{EFAB69B5-3F57-47EB-86C7-5A85F834CA97}" type="datetimeFigureOut">
               <a:rPr lang="en-US" smtClean="0"/>
-              <a:t>11/26/2020</a:t>
+              <a:t>12/4/2020</a:t>
             </a:fld>
             <a:endParaRPr lang="en-US"/>
           </a:p>
@@ -2884,7 +2889,7 @@
           <a:p>
             <a:fld id="{EFAB69B5-3F57-47EB-86C7-5A85F834CA97}" type="datetimeFigureOut">
               <a:rPr lang="en-US" smtClean="0"/>
-              <a:t>11/26/2020</a:t>
+              <a:t>12/4/2020</a:t>
             </a:fld>
             <a:endParaRPr lang="en-US"/>
           </a:p>
@@ -3059,7 +3064,7 @@
           <a:p>
             <a:fld id="{EFAB69B5-3F57-47EB-86C7-5A85F834CA97}" type="datetimeFigureOut">
               <a:rPr lang="en-US" smtClean="0"/>
-              <a:t>11/26/2020</a:t>
+              <a:t>12/4/2020</a:t>
             </a:fld>
             <a:endParaRPr lang="en-US"/>
           </a:p>
@@ -3282,7 +3287,7 @@
           <a:p>
             <a:fld id="{EFAB69B5-3F57-47EB-86C7-5A85F834CA97}" type="datetimeFigureOut">
               <a:rPr lang="en-US" smtClean="0"/>
-              <a:t>11/26/2020</a:t>
+              <a:t>12/4/2020</a:t>
             </a:fld>
             <a:endParaRPr lang="en-US"/>
           </a:p>
@@ -3462,7 +3467,7 @@
           <a:p>
             <a:fld id="{EFAB69B5-3F57-47EB-86C7-5A85F834CA97}" type="datetimeFigureOut">
               <a:rPr lang="en-US" smtClean="0"/>
-              <a:t>11/26/2020</a:t>
+              <a:t>12/4/2020</a:t>
             </a:fld>
             <a:endParaRPr lang="en-US"/>
           </a:p>
@@ -3751,7 +3756,7 @@
           <a:p>
             <a:fld id="{EFAB69B5-3F57-47EB-86C7-5A85F834CA97}" type="datetimeFigureOut">
               <a:rPr lang="en-US" smtClean="0"/>
-              <a:t>11/26/2020</a:t>
+              <a:t>12/4/2020</a:t>
             </a:fld>
             <a:endParaRPr lang="en-US"/>
           </a:p>
@@ -3993,7 +3998,7 @@
           <a:p>
             <a:fld id="{EFAB69B5-3F57-47EB-86C7-5A85F834CA97}" type="datetimeFigureOut">
               <a:rPr lang="en-US" smtClean="0"/>
-              <a:t>11/26/2020</a:t>
+              <a:t>12/4/2020</a:t>
             </a:fld>
             <a:endParaRPr lang="en-US"/>
           </a:p>
@@ -4372,7 +4377,7 @@
           <a:p>
             <a:fld id="{EFAB69B5-3F57-47EB-86C7-5A85F834CA97}" type="datetimeFigureOut">
               <a:rPr lang="en-US" smtClean="0"/>
-              <a:t>11/26/2020</a:t>
+              <a:t>12/4/2020</a:t>
             </a:fld>
             <a:endParaRPr lang="en-US"/>
           </a:p>
@@ -4490,7 +4495,7 @@
           <a:p>
             <a:fld id="{EFAB69B5-3F57-47EB-86C7-5A85F834CA97}" type="datetimeFigureOut">
               <a:rPr lang="en-US" smtClean="0"/>
-              <a:t>11/26/2020</a:t>
+              <a:t>12/4/2020</a:t>
             </a:fld>
             <a:endParaRPr lang="en-US"/>
           </a:p>
@@ -4585,7 +4590,7 @@
           <a:p>
             <a:fld id="{EFAB69B5-3F57-47EB-86C7-5A85F834CA97}" type="datetimeFigureOut">
               <a:rPr lang="en-US" smtClean="0"/>
-              <a:t>11/26/2020</a:t>
+              <a:t>12/4/2020</a:t>
             </a:fld>
             <a:endParaRPr lang="en-US"/>
           </a:p>
@@ -4834,7 +4839,7 @@
           <a:p>
             <a:fld id="{EFAB69B5-3F57-47EB-86C7-5A85F834CA97}" type="datetimeFigureOut">
               <a:rPr lang="en-US" smtClean="0"/>
-              <a:t>11/26/2020</a:t>
+              <a:t>12/4/2020</a:t>
             </a:fld>
             <a:endParaRPr lang="en-US"/>
           </a:p>
@@ -5091,7 +5096,7 @@
           <a:p>
             <a:fld id="{EFAB69B5-3F57-47EB-86C7-5A85F834CA97}" type="datetimeFigureOut">
               <a:rPr lang="en-US" smtClean="0"/>
-              <a:t>11/26/2020</a:t>
+              <a:t>12/4/2020</a:t>
             </a:fld>
             <a:endParaRPr lang="en-US"/>
           </a:p>
@@ -5334,7 +5339,7 @@
           <a:p>
             <a:fld id="{EFAB69B5-3F57-47EB-86C7-5A85F834CA97}" type="datetimeFigureOut">
               <a:rPr lang="en-US" smtClean="0"/>
-              <a:t>11/26/2020</a:t>
+              <a:t>12/4/2020</a:t>
             </a:fld>
             <a:endParaRPr lang="en-US"/>
           </a:p>
@@ -7014,7 +7019,7 @@
           <a:p>
             <a:r>
               <a:rPr lang="en-US" sz="1800" dirty="0"/>
-              <a:t>Andrew: Start and end screens, kangaroo enemies, caged wombats, music and sound effects</a:t>
+              <a:t>Andrew: Start and end screens, kangaroo enemies, caged wombats, music and sound effects, backgrounds</a:t>
             </a:r>
           </a:p>
           <a:p>
@@ -7023,7 +7028,7 @@
           <a:p>
             <a:r>
               <a:rPr lang="en-US" sz="1800" dirty="0"/>
-              <a:t>Sebastian: Wombat</a:t>
+              <a:t>Sebastian: Made Aussie Wombat, kangaroo, bullet, worked on the sprites</a:t>
             </a:r>
           </a:p>
           <a:p>
@@ -7032,7 +7037,7 @@
           <a:p>
             <a:r>
               <a:rPr lang="en-US" sz="1800" dirty="0"/>
-              <a:t>Jamil: UI</a:t>
+              <a:t>Jamil: Start screen game lost screen, transitions, walls</a:t>
             </a:r>
           </a:p>
         </p:txBody>
@@ -7118,7 +7123,23 @@
           <a:p>
             <a:r>
               <a:rPr lang="en-US" dirty="0"/>
-              <a:t>Mostly time management which made it so we could not implement everything that we wanted.</a:t>
+              <a:t>Git not working and messing up all the code.</a:t>
+            </a:r>
+          </a:p>
+          <a:p>
+            <a:r>
+              <a:rPr lang="en-US" dirty="0" err="1"/>
+              <a:t>Greenfoot</a:t>
+            </a:r>
+            <a:r>
+              <a:rPr lang="en-US" dirty="0"/>
+              <a:t> not saving the world properly.</a:t>
+            </a:r>
+          </a:p>
+          <a:p>
+            <a:r>
+              <a:rPr lang="en-US" dirty="0"/>
+              <a:t>Time management which made it so we could not implement everything that we wanted.</a:t>
             </a:r>
           </a:p>
           <a:p>
@@ -7204,6 +7225,18 @@
         <p:txBody>
           <a:bodyPr/>
           <a:lstStyle/>
+          <a:p>
+            <a:r>
+              <a:rPr lang="en-US" dirty="0"/>
+              <a:t>Making working walls.</a:t>
+            </a:r>
+          </a:p>
+          <a:p>
+            <a:r>
+              <a:rPr lang="en-US" dirty="0"/>
+              <a:t>Make the kangaroos walk in a path</a:t>
+            </a:r>
+          </a:p>
           <a:p>
             <a:r>
               <a:rPr lang="en-US" dirty="0"/>
